--- a/STM32 Handson.pptx
+++ b/STM32 Handson.pptx
@@ -115,6 +115,11 @@
       </a:defRPr>
     </a:lvl9pPr>
   </p:defaultTextStyle>
+  <p:extLst>
+    <p:ext uri="{EFAFB233-063F-42B5-8137-9DF3F51BA10A}">
+      <p15:sldGuideLst xmlns:p15="http://schemas.microsoft.com/office/powerpoint/2012/main"/>
+    </p:ext>
+  </p:extLst>
 </p:presentation>
 </file>
 
@@ -200,7 +205,7 @@
           <a:p>
             <a:fld id="{A3199D66-FFB3-4CE1-85FD-E5801FA7A68F}" type="datetimeFigureOut">
               <a:rPr lang="da-DK" smtClean="0"/>
-              <a:t>22-05-2024</a:t>
+              <a:t>25-05-2024</a:t>
             </a:fld>
             <a:endParaRPr lang="da-DK"/>
           </a:p>
@@ -972,7 +977,7 @@
           <a:p>
             <a:fld id="{73CA3DD9-9932-4457-9B68-DF86C58EE79A}" type="datetimeFigureOut">
               <a:rPr lang="da-DK" smtClean="0"/>
-              <a:t>22-05-2024</a:t>
+              <a:t>25-05-2024</a:t>
             </a:fld>
             <a:endParaRPr lang="da-DK"/>
           </a:p>
@@ -1170,7 +1175,7 @@
           <a:p>
             <a:fld id="{73CA3DD9-9932-4457-9B68-DF86C58EE79A}" type="datetimeFigureOut">
               <a:rPr lang="da-DK" smtClean="0"/>
-              <a:t>22-05-2024</a:t>
+              <a:t>25-05-2024</a:t>
             </a:fld>
             <a:endParaRPr lang="da-DK"/>
           </a:p>
@@ -1378,7 +1383,7 @@
           <a:p>
             <a:fld id="{73CA3DD9-9932-4457-9B68-DF86C58EE79A}" type="datetimeFigureOut">
               <a:rPr lang="da-DK" smtClean="0"/>
-              <a:t>22-05-2024</a:t>
+              <a:t>25-05-2024</a:t>
             </a:fld>
             <a:endParaRPr lang="da-DK"/>
           </a:p>
@@ -1576,7 +1581,7 @@
           <a:p>
             <a:fld id="{73CA3DD9-9932-4457-9B68-DF86C58EE79A}" type="datetimeFigureOut">
               <a:rPr lang="da-DK" smtClean="0"/>
-              <a:t>22-05-2024</a:t>
+              <a:t>25-05-2024</a:t>
             </a:fld>
             <a:endParaRPr lang="da-DK"/>
           </a:p>
@@ -1851,7 +1856,7 @@
           <a:p>
             <a:fld id="{73CA3DD9-9932-4457-9B68-DF86C58EE79A}" type="datetimeFigureOut">
               <a:rPr lang="da-DK" smtClean="0"/>
-              <a:t>22-05-2024</a:t>
+              <a:t>25-05-2024</a:t>
             </a:fld>
             <a:endParaRPr lang="da-DK"/>
           </a:p>
@@ -2116,7 +2121,7 @@
           <a:p>
             <a:fld id="{73CA3DD9-9932-4457-9B68-DF86C58EE79A}" type="datetimeFigureOut">
               <a:rPr lang="da-DK" smtClean="0"/>
-              <a:t>22-05-2024</a:t>
+              <a:t>25-05-2024</a:t>
             </a:fld>
             <a:endParaRPr lang="da-DK"/>
           </a:p>
@@ -2528,7 +2533,7 @@
           <a:p>
             <a:fld id="{73CA3DD9-9932-4457-9B68-DF86C58EE79A}" type="datetimeFigureOut">
               <a:rPr lang="da-DK" smtClean="0"/>
-              <a:t>22-05-2024</a:t>
+              <a:t>25-05-2024</a:t>
             </a:fld>
             <a:endParaRPr lang="da-DK"/>
           </a:p>
@@ -2669,7 +2674,7 @@
           <a:p>
             <a:fld id="{73CA3DD9-9932-4457-9B68-DF86C58EE79A}" type="datetimeFigureOut">
               <a:rPr lang="da-DK" smtClean="0"/>
-              <a:t>22-05-2024</a:t>
+              <a:t>25-05-2024</a:t>
             </a:fld>
             <a:endParaRPr lang="da-DK"/>
           </a:p>
@@ -2782,7 +2787,7 @@
           <a:p>
             <a:fld id="{73CA3DD9-9932-4457-9B68-DF86C58EE79A}" type="datetimeFigureOut">
               <a:rPr lang="da-DK" smtClean="0"/>
-              <a:t>22-05-2024</a:t>
+              <a:t>25-05-2024</a:t>
             </a:fld>
             <a:endParaRPr lang="da-DK"/>
           </a:p>
@@ -3093,7 +3098,7 @@
           <a:p>
             <a:fld id="{73CA3DD9-9932-4457-9B68-DF86C58EE79A}" type="datetimeFigureOut">
               <a:rPr lang="da-DK" smtClean="0"/>
-              <a:t>22-05-2024</a:t>
+              <a:t>25-05-2024</a:t>
             </a:fld>
             <a:endParaRPr lang="da-DK"/>
           </a:p>
@@ -3381,7 +3386,7 @@
           <a:p>
             <a:fld id="{73CA3DD9-9932-4457-9B68-DF86C58EE79A}" type="datetimeFigureOut">
               <a:rPr lang="da-DK" smtClean="0"/>
-              <a:t>22-05-2024</a:t>
+              <a:t>25-05-2024</a:t>
             </a:fld>
             <a:endParaRPr lang="da-DK"/>
           </a:p>
@@ -3622,7 +3627,7 @@
           <a:p>
             <a:fld id="{73CA3DD9-9932-4457-9B68-DF86C58EE79A}" type="datetimeFigureOut">
               <a:rPr lang="da-DK" smtClean="0"/>
-              <a:t>22-05-2024</a:t>
+              <a:t>25-05-2024</a:t>
             </a:fld>
             <a:endParaRPr lang="da-DK"/>
           </a:p>
@@ -4774,39 +4779,6 @@
       </p:sp>
       <p:pic>
         <p:nvPicPr>
-          <p:cNvPr id="4" name="Onlinemedier 3" title="Kurt Langaa 1">
-            <a:hlinkClick r:id="" action="ppaction://media"/>
-            <a:extLst>
-              <a:ext uri="{FF2B5EF4-FFF2-40B4-BE49-F238E27FC236}">
-                <a16:creationId xmlns:a16="http://schemas.microsoft.com/office/drawing/2014/main" id="{EC1B828A-1477-A925-BA3A-99972CE4B125}"/>
-              </a:ext>
-            </a:extLst>
-          </p:cNvPr>
-          <p:cNvPicPr>
-            <a:picLocks noRot="1" noChangeAspect="1"/>
-          </p:cNvPicPr>
-          <p:nvPr>
-            <a:videoFile r:link="rId1"/>
-          </p:nvPr>
-        </p:nvPicPr>
-        <p:blipFill>
-          <a:blip r:embed="rId3"/>
-          <a:stretch>
-            <a:fillRect/>
-          </a:stretch>
-        </p:blipFill>
-        <p:spPr>
-          <a:xfrm>
-            <a:off x="71395" y="193589"/>
-            <a:ext cx="8627762" cy="6470822"/>
-          </a:xfrm>
-          <a:prstGeom prst="rect">
-            <a:avLst/>
-          </a:prstGeom>
-        </p:spPr>
-      </p:pic>
-      <p:pic>
-        <p:nvPicPr>
           <p:cNvPr id="5" name="Billede 4">
             <a:extLst>
               <a:ext uri="{FF2B5EF4-FFF2-40B4-BE49-F238E27FC236}">
@@ -4829,6 +4801,44 @@
           <a:xfrm>
             <a:off x="8637739" y="780393"/>
             <a:ext cx="3348506" cy="1800477"/>
+          </a:xfrm>
+          <a:prstGeom prst="rect">
+            <a:avLst/>
+          </a:prstGeom>
+        </p:spPr>
+      </p:pic>
+      <p:pic>
+        <p:nvPicPr>
+          <p:cNvPr id="3" name="3D flyvning over Langå">
+            <a:hlinkClick r:id="" action="ppaction://media"/>
+            <a:extLst>
+              <a:ext uri="{FF2B5EF4-FFF2-40B4-BE49-F238E27FC236}">
+                <a16:creationId xmlns:a16="http://schemas.microsoft.com/office/drawing/2014/main" id="{BB45D90F-2259-D646-5198-222BFE9000D9}"/>
+              </a:ext>
+            </a:extLst>
+          </p:cNvPr>
+          <p:cNvPicPr>
+            <a:picLocks noChangeAspect="1"/>
+          </p:cNvPicPr>
+          <p:nvPr>
+            <a:videoFile r:link="rId2"/>
+            <p:extLst>
+              <p:ext uri="{DAA4B4D4-6D71-4841-9C94-3DE7FCFB9230}">
+                <p14:media xmlns:p14="http://schemas.microsoft.com/office/powerpoint/2010/main" r:embed="rId1"/>
+              </p:ext>
+            </p:extLst>
+          </p:nvPr>
+        </p:nvPicPr>
+        <p:blipFill>
+          <a:blip r:embed="rId5"/>
+          <a:stretch>
+            <a:fillRect/>
+          </a:stretch>
+        </p:blipFill>
+        <p:spPr>
+          <a:xfrm>
+            <a:off x="205755" y="222250"/>
+            <a:ext cx="8551333" cy="6413500"/>
           </a:xfrm>
           <a:prstGeom prst="rect">
             <a:avLst/>
@@ -4857,9 +4867,6 @@
                     <p:cTn id="3" fill="hold">
                       <p:stCondLst>
                         <p:cond delay="indefinite"/>
-                        <p:cond evt="onBegin" delay="0">
-                          <p:tn val="2"/>
-                        </p:cond>
                       </p:stCondLst>
                       <p:childTnLst>
                         <p:par>
@@ -4869,16 +4876,16 @@
                             </p:stCondLst>
                             <p:childTnLst>
                               <p:par>
-                                <p:cTn id="5" presetID="1" presetClass="mediacall" presetSubtype="0" fill="hold" nodeType="afterEffect">
+                                <p:cTn id="5" presetID="1" presetClass="mediacall" presetSubtype="0" fill="hold" nodeType="clickEffect">
                                   <p:stCondLst>
                                     <p:cond delay="0"/>
                                   </p:stCondLst>
                                   <p:childTnLst>
                                     <p:cmd type="call" cmd="playFrom(0.0)">
                                       <p:cBhvr>
-                                        <p:cTn id="6" dur="1" fill="hold"/>
+                                        <p:cTn id="6" dur="52732" fill="hold"/>
                                         <p:tgtEl>
-                                          <p:spTgt spid="4"/>
+                                          <p:spTgt spid="3"/>
                                         </p:tgtEl>
                                       </p:cBhvr>
                                     </p:cmd>
@@ -4916,7 +4923,7 @@
                   </p:stCondLst>
                 </p:cTn>
                 <p:tgtEl>
-                  <p:spTgt spid="4"/>
+                  <p:spTgt spid="3"/>
                 </p:tgtEl>
               </p:cMediaNode>
             </p:video>
@@ -4925,7 +4932,7 @@
                 <p:stCondLst>
                   <p:cond evt="onClick" delay="0">
                     <p:tgtEl>
-                      <p:spTgt spid="4"/>
+                      <p:spTgt spid="3"/>
                     </p:tgtEl>
                   </p:cond>
                 </p:stCondLst>
@@ -4955,7 +4962,7 @@
                                       <p:cBhvr>
                                         <p:cTn id="12" dur="1" fill="hold"/>
                                         <p:tgtEl>
-                                          <p:spTgt spid="4"/>
+                                          <p:spTgt spid="3"/>
                                         </p:tgtEl>
                                       </p:cBhvr>
                                     </p:cmd>
@@ -4973,7 +4980,7 @@
               <p:nextCondLst>
                 <p:cond evt="onClick" delay="0">
                   <p:tgtEl>
-                    <p:spTgt spid="4"/>
+                    <p:spTgt spid="3"/>
                   </p:tgtEl>
                 </p:cond>
               </p:nextCondLst>
